--- a/Monitoring/Prometheus-Grafana.pptx
+++ b/Monitoring/Prometheus-Grafana.pptx
@@ -8036,6 +8036,45 @@
               <a:t>and then perform the same steps as mentioned above</a:t>
             </a:r>
           </a:p>
+          <a:p>
+            <a:pPr marL="596900" lvl="1" indent="0">
+              <a:spcBef>
+                <a:spcPts val="0"/>
+              </a:spcBef>
+              <a:buNone/>
+            </a:pPr>
+            <a:endParaRPr lang="en-US" sz="1000" dirty="0">
+              <a:latin typeface="Arial"/>
+              <a:cs typeface="Arial"/>
+            </a:endParaRPr>
+          </a:p>
+          <a:p>
+            <a:r>
+              <a:rPr lang="en-US" sz="1000" dirty="0">
+                <a:latin typeface="Arial"/>
+                <a:cs typeface="Arial"/>
+              </a:rPr>
+              <a:t>Other Good Dashboards: </a:t>
+            </a:r>
+            <a:r>
+              <a:rPr lang="pt-BR" sz="1000" dirty="0">
+                <a:latin typeface="Arial"/>
+                <a:cs typeface="Arial"/>
+              </a:rPr>
+              <a:t>Kubernetes Cluster Monitoring (via Prometheus) – </a:t>
+            </a:r>
+            <a:r>
+              <a:rPr lang="en-IN" sz="1000" dirty="0">
+                <a:latin typeface="Arial"/>
+                <a:cs typeface="Arial"/>
+              </a:rPr>
+              <a:t>14205; Kubernetes Pod Monitoring - 162</a:t>
+            </a:r>
+            <a:endParaRPr lang="en-US" sz="1000" dirty="0">
+              <a:latin typeface="Arial"/>
+              <a:cs typeface="Arial"/>
+            </a:endParaRPr>
+          </a:p>
         </p:txBody>
       </p:sp>
     </p:spTree>
